--- a/soukUpPresentation.pptx
+++ b/soukUpPresentation.pptx
@@ -6032,7 +6032,7 @@
           <a:p>
             <a:r>
               <a:rPr lang="en-US" dirty="0"/>
-              <a:t>This does not mean that swapping is not better than non-swapping technique. However, it does not generate significant difference. </a:t>
+              <a:t>Swapping source and target does not generate significant difference from not swapping source and target. </a:t>
             </a:r>
           </a:p>
         </p:txBody>
@@ -6130,7 +6130,7 @@
           <a:p>
             <a:r>
               <a:rPr lang="en-US" dirty="0"/>
-              <a:t>This can be shown in testcase 11 (floodless was on). When compared to testcases 9 &amp; 10 (floodless was off), the same route costs were generates, and the same inputs yielded no path available in all 3 testcases. </a:t>
+              <a:t>This can be shown in testcase 11 (floodless was on). When compared to testcases 9 &amp; 10 (floodless was off), the same route costs were generated, and the same inputs yielded no path available in all 3 testcases. </a:t>
             </a:r>
           </a:p>
         </p:txBody>
@@ -6222,7 +6222,7 @@
           <a:p>
             <a:r>
               <a:rPr lang="en-US" dirty="0"/>
-              <a:t>Floodless did not generate significant difference when it comes to route cost and congestion. However, it generates significant difference when it comes to CPU time. Execution time of floodless is way less than execution time with floodless off. Floodless is worth implementing. </a:t>
+              <a:t>Floodless did not generate significant difference when it comes to route cost and congestion. However, it generated significant difference when it comes to CPU time. Execution time with floodless on is way less than execution time with floodless off. Floodless is worth implementing. </a:t>
             </a:r>
           </a:p>
         </p:txBody>
@@ -6432,7 +6432,7 @@
           <a:p>
             <a:r>
               <a:rPr lang="en-US" dirty="0"/>
-              <a:t>Initial routes remain on the grid for later router (act as obstacles)</a:t>
+              <a:t>Initial routes remain on the grid for later routes (act as obstacles)</a:t>
             </a:r>
           </a:p>
           <a:p>
